--- a/Applied Data Science - 07 Machine Learning in Python.pptx
+++ b/Applied Data Science - 07 Machine Learning in Python.pptx
@@ -5,7 +5,7 @@
     <p:sldMasterId id="2147483833" r:id="rId1"/>
   </p:sldMasterIdLst>
   <p:notesMasterIdLst>
-    <p:notesMasterId r:id="rId37"/>
+    <p:notesMasterId r:id="rId35"/>
   </p:notesMasterIdLst>
   <p:sldIdLst>
     <p:sldId id="256" r:id="rId2"/>
@@ -36,13 +36,11 @@
     <p:sldId id="316" r:id="rId27"/>
     <p:sldId id="318" r:id="rId28"/>
     <p:sldId id="319" r:id="rId29"/>
-    <p:sldId id="326" r:id="rId30"/>
-    <p:sldId id="327" r:id="rId31"/>
-    <p:sldId id="320" r:id="rId32"/>
-    <p:sldId id="321" r:id="rId33"/>
-    <p:sldId id="322" r:id="rId34"/>
-    <p:sldId id="328" r:id="rId35"/>
-    <p:sldId id="329" r:id="rId36"/>
+    <p:sldId id="320" r:id="rId30"/>
+    <p:sldId id="322" r:id="rId31"/>
+    <p:sldId id="328" r:id="rId32"/>
+    <p:sldId id="329" r:id="rId33"/>
+    <p:sldId id="321" r:id="rId34"/>
   </p:sldIdLst>
   <p:sldSz cx="12192000" cy="6858000"/>
   <p:notesSz cx="6858000" cy="9144000"/>
@@ -231,7 +229,7 @@
           <a:p>
             <a:fld id="{F1D2C95C-E6C5-47EE-A945-EBB416EE6C3F}" type="datetimeFigureOut">
               <a:rPr lang="en-US" smtClean="0"/>
-              <a:t>5/6/2017</a:t>
+              <a:t>5/10/2017</a:t>
             </a:fld>
             <a:endParaRPr lang="en-US"/>
           </a:p>
@@ -1649,7 +1647,7 @@
                 <a:latin typeface="Calibri" panose="020F0502020204030204" pitchFamily="34" charset="0"/>
               </a:rPr>
               <a:pPr eaLnBrk="1" hangingPunct="1"/>
-              <a:t>31</a:t>
+              <a:t>29</a:t>
             </a:fld>
             <a:endParaRPr lang="en-US">
               <a:solidFill>
@@ -1898,7 +1896,7 @@
                 <a:latin typeface="Calibri" panose="020F0502020204030204" pitchFamily="34" charset="0"/>
               </a:rPr>
               <a:pPr eaLnBrk="1" hangingPunct="1"/>
-              <a:t>32</a:t>
+              <a:t>33</a:t>
             </a:fld>
             <a:endParaRPr lang="en-US">
               <a:solidFill>
@@ -2074,7 +2072,7 @@
           <a:p>
             <a:fld id="{BF4D7DE9-04F8-4F0B-A692-02FE1DAE9F6D}" type="datetimeFigureOut">
               <a:rPr lang="en-US" smtClean="0"/>
-              <a:t>5/6/2017</a:t>
+              <a:t>5/10/2017</a:t>
             </a:fld>
             <a:endParaRPr lang="en-US"/>
           </a:p>
@@ -2449,7 +2447,7 @@
           <a:p>
             <a:fld id="{BF4D7DE9-04F8-4F0B-A692-02FE1DAE9F6D}" type="datetimeFigureOut">
               <a:rPr lang="en-US" smtClean="0"/>
-              <a:t>5/6/2017</a:t>
+              <a:t>5/10/2017</a:t>
             </a:fld>
             <a:endParaRPr lang="en-US"/>
           </a:p>
@@ -2654,7 +2652,7 @@
           <a:p>
             <a:fld id="{BF4D7DE9-04F8-4F0B-A692-02FE1DAE9F6D}" type="datetimeFigureOut">
               <a:rPr lang="en-US" smtClean="0"/>
-              <a:t>5/6/2017</a:t>
+              <a:t>5/10/2017</a:t>
             </a:fld>
             <a:endParaRPr lang="en-US"/>
           </a:p>
@@ -2834,7 +2832,7 @@
           <a:p>
             <a:fld id="{BF4D7DE9-04F8-4F0B-A692-02FE1DAE9F6D}" type="datetimeFigureOut">
               <a:rPr lang="en-US" smtClean="0"/>
-              <a:t>5/6/2017</a:t>
+              <a:t>5/10/2017</a:t>
             </a:fld>
             <a:endParaRPr lang="en-US"/>
           </a:p>
@@ -3236,7 +3234,7 @@
           <a:p>
             <a:fld id="{BF4D7DE9-04F8-4F0B-A692-02FE1DAE9F6D}" type="datetimeFigureOut">
               <a:rPr lang="en-US" smtClean="0"/>
-              <a:t>5/6/2017</a:t>
+              <a:t>5/10/2017</a:t>
             </a:fld>
             <a:endParaRPr lang="en-US"/>
           </a:p>
@@ -3500,7 +3498,7 @@
           <a:p>
             <a:fld id="{BF4D7DE9-04F8-4F0B-A692-02FE1DAE9F6D}" type="datetimeFigureOut">
               <a:rPr lang="en-US" smtClean="0"/>
-              <a:t>5/6/2017</a:t>
+              <a:t>5/10/2017</a:t>
             </a:fld>
             <a:endParaRPr lang="en-US"/>
           </a:p>
@@ -3879,7 +3877,7 @@
           <a:p>
             <a:fld id="{BF4D7DE9-04F8-4F0B-A692-02FE1DAE9F6D}" type="datetimeFigureOut">
               <a:rPr lang="en-US" smtClean="0"/>
-              <a:t>5/6/2017</a:t>
+              <a:t>5/10/2017</a:t>
             </a:fld>
             <a:endParaRPr lang="en-US"/>
           </a:p>
@@ -4336,7 +4334,7 @@
           <a:p>
             <a:fld id="{BF4D7DE9-04F8-4F0B-A692-02FE1DAE9F6D}" type="datetimeFigureOut">
               <a:rPr lang="en-US" smtClean="0"/>
-              <a:t>5/6/2017</a:t>
+              <a:t>5/10/2017</a:t>
             </a:fld>
             <a:endParaRPr lang="en-US"/>
           </a:p>
@@ -4461,7 +4459,7 @@
           <a:p>
             <a:fld id="{BF4D7DE9-04F8-4F0B-A692-02FE1DAE9F6D}" type="datetimeFigureOut">
               <a:rPr lang="en-US" smtClean="0"/>
-              <a:t>5/6/2017</a:t>
+              <a:t>5/10/2017</a:t>
             </a:fld>
             <a:endParaRPr lang="en-US"/>
           </a:p>
@@ -4563,7 +4561,7 @@
           <a:p>
             <a:fld id="{BF4D7DE9-04F8-4F0B-A692-02FE1DAE9F6D}" type="datetimeFigureOut">
               <a:rPr lang="en-US" smtClean="0"/>
-              <a:t>5/6/2017</a:t>
+              <a:t>5/10/2017</a:t>
             </a:fld>
             <a:endParaRPr lang="en-US"/>
           </a:p>
@@ -4663,7 +4661,7 @@
           <a:p>
             <a:fld id="{BF4D7DE9-04F8-4F0B-A692-02FE1DAE9F6D}" type="datetimeFigureOut">
               <a:rPr lang="en-US" smtClean="0"/>
-              <a:t>5/6/2017</a:t>
+              <a:t>5/10/2017</a:t>
             </a:fld>
             <a:endParaRPr lang="en-US"/>
           </a:p>
@@ -5041,7 +5039,7 @@
           <a:p>
             <a:fld id="{BF4D7DE9-04F8-4F0B-A692-02FE1DAE9F6D}" type="datetimeFigureOut">
               <a:rPr lang="en-US" smtClean="0"/>
-              <a:t>5/6/2017</a:t>
+              <a:t>5/10/2017</a:t>
             </a:fld>
             <a:endParaRPr lang="en-US"/>
           </a:p>
@@ -5261,7 +5259,7 @@
           <a:p>
             <a:fld id="{BF4D7DE9-04F8-4F0B-A692-02FE1DAE9F6D}" type="datetimeFigureOut">
               <a:rPr lang="en-US" smtClean="0"/>
-              <a:t>5/6/2017</a:t>
+              <a:t>5/10/2017</a:t>
             </a:fld>
             <a:endParaRPr lang="en-US"/>
           </a:p>
@@ -6532,11 +6530,11 @@
           <a:lstStyle/>
           <a:p>
             <a:r>
-              <a:rPr lang="en-US" b="1" dirty="0"/>
+              <a:rPr lang="en-US" dirty="0"/>
               <a:t>Classification Evaluation </a:t>
             </a:r>
             <a:r>
-              <a:rPr lang="en-US" b="1" dirty="0" smtClean="0"/>
+              <a:rPr lang="en-US" dirty="0" smtClean="0"/>
               <a:t>Measures</a:t>
             </a:r>
             <a:endParaRPr lang="he-IL" dirty="0"/>
@@ -9472,7 +9470,7 @@
       </p:grpSpPr>
       <p:sp>
         <p:nvSpPr>
-          <p:cNvPr id="2" name="Title 1"/>
+          <p:cNvPr id="71682" name="Title 1"/>
           <p:cNvSpPr>
             <a:spLocks noGrp="1"/>
           </p:cNvSpPr>
@@ -9486,16 +9484,15 @@
           <a:lstStyle/>
           <a:p>
             <a:r>
-              <a:rPr lang="en-US" dirty="0" smtClean="0"/>
-              <a:t>Variance-Bias Trade-off</a:t>
-            </a:r>
-            <a:endParaRPr lang="he-IL" dirty="0"/>
+              <a:rPr lang="en-US" altLang="en-US" smtClean="0"/>
+              <a:t>How to reduce variance?</a:t>
+            </a:r>
           </a:p>
         </p:txBody>
       </p:sp>
       <p:sp>
         <p:nvSpPr>
-          <p:cNvPr id="3" name="Content Placeholder 2"/>
+          <p:cNvPr id="71683" name="Content Placeholder 2"/>
           <p:cNvSpPr>
             <a:spLocks noGrp="1"/>
           </p:cNvSpPr>
@@ -9508,50 +9505,99 @@
           <a:bodyPr/>
           <a:lstStyle/>
           <a:p>
-            <a:r>
-              <a:rPr lang="en-US" dirty="0"/>
-              <a:t>the expected test MSE, for a given value x0, </a:t>
-            </a:r>
-            <a:r>
-              <a:rPr lang="en-US" dirty="0" smtClean="0"/>
-              <a:t>can always </a:t>
-            </a:r>
-            <a:r>
-              <a:rPr lang="en-US" dirty="0"/>
-              <a:t>be decomposed into the sum of three fundamental quantities: the variance of ˆf(x0), the squared bias of ˆf(x0) and the variance of the error variance bias terms . </a:t>
-            </a:r>
-            <a:endParaRPr lang="he-IL" dirty="0"/>
+            <a:pPr marL="457200" indent="-457200">
+              <a:buFont typeface="+mj-lt"/>
+              <a:buAutoNum type="arabicPeriod"/>
+            </a:pPr>
+            <a:r>
+              <a:rPr lang="en-US" altLang="en-US" dirty="0" smtClean="0"/>
+              <a:t>Choose a simpler classifier</a:t>
+            </a:r>
+          </a:p>
+          <a:p>
+            <a:pPr marL="457200" indent="-457200">
+              <a:buFont typeface="+mj-lt"/>
+              <a:buAutoNum type="arabicPeriod"/>
+            </a:pPr>
+            <a:r>
+              <a:rPr lang="en-US" altLang="en-US" dirty="0" smtClean="0"/>
+              <a:t>Regularize the parameters</a:t>
+            </a:r>
+          </a:p>
+          <a:p>
+            <a:pPr marL="457200" indent="-457200">
+              <a:buFont typeface="+mj-lt"/>
+              <a:buAutoNum type="arabicPeriod"/>
+            </a:pPr>
+            <a:r>
+              <a:rPr lang="en-US" altLang="en-US" dirty="0" smtClean="0"/>
+              <a:t>Get more training data</a:t>
+            </a:r>
           </a:p>
         </p:txBody>
       </p:sp>
-      <p:pic>
-        <p:nvPicPr>
-          <p:cNvPr id="5" name="Picture 4"/>
-          <p:cNvPicPr>
-            <a:picLocks noChangeAspect="1"/>
-          </p:cNvPicPr>
+      <p:sp>
+        <p:nvSpPr>
+          <p:cNvPr id="4" name="TextBox 3"/>
+          <p:cNvSpPr txBox="1"/>
           <p:nvPr/>
-        </p:nvPicPr>
-        <p:blipFill>
-          <a:blip r:embed="rId2"/>
-          <a:stretch>
-            <a:fillRect/>
-          </a:stretch>
-        </p:blipFill>
+        </p:nvSpPr>
         <p:spPr>
           <a:xfrm>
-            <a:off x="3186793" y="4147457"/>
-            <a:ext cx="5753100" cy="762000"/>
+            <a:off x="8999538" y="6581776"/>
+            <a:ext cx="1668462" cy="276225"/>
           </a:xfrm>
           <a:prstGeom prst="rect">
             <a:avLst/>
           </a:prstGeom>
+          <a:noFill/>
         </p:spPr>
-      </p:pic>
+        <p:txBody>
+          <a:bodyPr wrap="none">
+            <a:spAutoFit/>
+          </a:bodyPr>
+          <a:lstStyle/>
+          <a:p>
+            <a:pPr>
+              <a:defRPr/>
+            </a:pPr>
+            <a:r>
+              <a:rPr lang="en-US" sz="1200" dirty="0">
+                <a:solidFill>
+                  <a:prstClr val="white">
+                    <a:lumMod val="65000"/>
+                  </a:prstClr>
+                </a:solidFill>
+                <a:latin typeface="Arial" charset="0"/>
+              </a:rPr>
+              <a:t>Slide credit: D. </a:t>
+            </a:r>
+            <a:r>
+              <a:rPr lang="en-US" sz="1200" dirty="0" err="1">
+                <a:solidFill>
+                  <a:prstClr val="white">
+                    <a:lumMod val="65000"/>
+                  </a:prstClr>
+                </a:solidFill>
+                <a:latin typeface="Arial" charset="0"/>
+              </a:rPr>
+              <a:t>Hoiem</a:t>
+            </a:r>
+            <a:endParaRPr lang="en-US" sz="1200" dirty="0">
+              <a:solidFill>
+                <a:prstClr val="white">
+                  <a:lumMod val="65000"/>
+                </a:prstClr>
+              </a:solidFill>
+              <a:latin typeface="Arial" charset="0"/>
+            </a:endParaRPr>
+          </a:p>
+        </p:txBody>
+      </p:sp>
     </p:spTree>
     <p:extLst>
       <p:ext uri="{BB962C8B-B14F-4D97-AF65-F5344CB8AC3E}">
-        <p14:creationId xmlns:p14="http://schemas.microsoft.com/office/powerpoint/2010/main" val="1872972159"/>
+        <p14:creationId xmlns:p14="http://schemas.microsoft.com/office/powerpoint/2010/main" val="3782379722"/>
       </p:ext>
     </p:extLst>
   </p:cSld>
@@ -9803,709 +9849,6 @@
 </file>
 
 <file path=ppt/slides/slide30.xml><?xml version="1.0" encoding="utf-8"?>
-<p:sld xmlns:a="http://schemas.openxmlformats.org/drawingml/2006/main" xmlns:r="http://schemas.openxmlformats.org/officeDocument/2006/relationships" xmlns:p="http://schemas.openxmlformats.org/presentationml/2006/main">
-  <p:cSld>
-    <p:spTree>
-      <p:nvGrpSpPr>
-        <p:cNvPr id="1" name=""/>
-        <p:cNvGrpSpPr/>
-        <p:nvPr/>
-      </p:nvGrpSpPr>
-      <p:grpSpPr>
-        <a:xfrm>
-          <a:off x="0" y="0"/>
-          <a:ext cx="0" cy="0"/>
-          <a:chOff x="0" y="0"/>
-          <a:chExt cx="0" cy="0"/>
-        </a:xfrm>
-      </p:grpSpPr>
-      <p:sp>
-        <p:nvSpPr>
-          <p:cNvPr id="2" name="Title 1"/>
-          <p:cNvSpPr>
-            <a:spLocks noGrp="1"/>
-          </p:cNvSpPr>
-          <p:nvPr>
-            <p:ph type="title"/>
-          </p:nvPr>
-        </p:nvSpPr>
-        <p:spPr/>
-        <p:txBody>
-          <a:bodyPr/>
-          <a:lstStyle/>
-          <a:p>
-            <a:endParaRPr lang="he-IL"/>
-          </a:p>
-        </p:txBody>
-      </p:sp>
-      <p:sp>
-        <p:nvSpPr>
-          <p:cNvPr id="3" name="Content Placeholder 2"/>
-          <p:cNvSpPr>
-            <a:spLocks noGrp="1"/>
-          </p:cNvSpPr>
-          <p:nvPr>
-            <p:ph idx="1"/>
-          </p:nvPr>
-        </p:nvSpPr>
-        <p:spPr/>
-        <p:txBody>
-          <a:bodyPr/>
-          <a:lstStyle/>
-          <a:p>
-            <a:r>
-              <a:rPr lang="en-US" dirty="0"/>
-              <a:t>Variance refers to the amount by which ˆf would change if we estimated it using a different training data </a:t>
-            </a:r>
-            <a:r>
-              <a:rPr lang="en-US" dirty="0" smtClean="0"/>
-              <a:t>set</a:t>
-            </a:r>
-          </a:p>
-          <a:p>
-            <a:r>
-              <a:rPr lang="en-US" dirty="0"/>
-              <a:t>bias refers to the error that is introduced by approximating a real-life problem, which may be extremely complicated, by a much simpler model</a:t>
-            </a:r>
-          </a:p>
-          <a:p>
-            <a:r>
-              <a:rPr lang="en-US" dirty="0"/>
-              <a:t>as we use more flexible methods, the variance will increase and the bias will decrease</a:t>
-            </a:r>
-            <a:r>
-              <a:rPr lang="en-US" dirty="0" smtClean="0"/>
-              <a:t>.</a:t>
-            </a:r>
-          </a:p>
-          <a:p>
-            <a:endParaRPr lang="he-IL" dirty="0"/>
-          </a:p>
-        </p:txBody>
-      </p:sp>
-    </p:spTree>
-    <p:extLst>
-      <p:ext uri="{BB962C8B-B14F-4D97-AF65-F5344CB8AC3E}">
-        <p14:creationId xmlns:p14="http://schemas.microsoft.com/office/powerpoint/2010/main" val="3513295757"/>
-      </p:ext>
-    </p:extLst>
-  </p:cSld>
-  <p:clrMapOvr>
-    <a:masterClrMapping/>
-  </p:clrMapOvr>
-</p:sld>
-</file>
-
-<file path=ppt/slides/slide31.xml><?xml version="1.0" encoding="utf-8"?>
-<p:sld xmlns:a="http://schemas.openxmlformats.org/drawingml/2006/main" xmlns:r="http://schemas.openxmlformats.org/officeDocument/2006/relationships" xmlns:p="http://schemas.openxmlformats.org/presentationml/2006/main">
-  <p:cSld>
-    <p:spTree>
-      <p:nvGrpSpPr>
-        <p:cNvPr id="1" name=""/>
-        <p:cNvGrpSpPr/>
-        <p:nvPr/>
-      </p:nvGrpSpPr>
-      <p:grpSpPr>
-        <a:xfrm>
-          <a:off x="0" y="0"/>
-          <a:ext cx="0" cy="0"/>
-          <a:chOff x="0" y="0"/>
-          <a:chExt cx="0" cy="0"/>
-        </a:xfrm>
-      </p:grpSpPr>
-      <p:sp>
-        <p:nvSpPr>
-          <p:cNvPr id="71682" name="Title 1"/>
-          <p:cNvSpPr>
-            <a:spLocks noGrp="1"/>
-          </p:cNvSpPr>
-          <p:nvPr>
-            <p:ph type="title"/>
-          </p:nvPr>
-        </p:nvSpPr>
-        <p:spPr/>
-        <p:txBody>
-          <a:bodyPr/>
-          <a:lstStyle/>
-          <a:p>
-            <a:r>
-              <a:rPr lang="en-US" altLang="en-US" smtClean="0"/>
-              <a:t>How to reduce variance?</a:t>
-            </a:r>
-          </a:p>
-        </p:txBody>
-      </p:sp>
-      <p:sp>
-        <p:nvSpPr>
-          <p:cNvPr id="71683" name="Content Placeholder 2"/>
-          <p:cNvSpPr>
-            <a:spLocks noGrp="1"/>
-          </p:cNvSpPr>
-          <p:nvPr>
-            <p:ph idx="1"/>
-          </p:nvPr>
-        </p:nvSpPr>
-        <p:spPr/>
-        <p:txBody>
-          <a:bodyPr/>
-          <a:lstStyle/>
-          <a:p>
-            <a:pPr marL="457200" indent="-457200">
-              <a:buFont typeface="+mj-lt"/>
-              <a:buAutoNum type="arabicPeriod"/>
-            </a:pPr>
-            <a:r>
-              <a:rPr lang="en-US" altLang="en-US" dirty="0" smtClean="0"/>
-              <a:t>Choose </a:t>
-            </a:r>
-            <a:r>
-              <a:rPr lang="en-US" altLang="en-US" dirty="0" smtClean="0"/>
-              <a:t>a simpler classifier</a:t>
-            </a:r>
-          </a:p>
-          <a:p>
-            <a:pPr marL="457200" indent="-457200">
-              <a:buFont typeface="+mj-lt"/>
-              <a:buAutoNum type="arabicPeriod"/>
-            </a:pPr>
-            <a:r>
-              <a:rPr lang="en-US" altLang="en-US" dirty="0" smtClean="0"/>
-              <a:t>Regularize </a:t>
-            </a:r>
-            <a:r>
-              <a:rPr lang="en-US" altLang="en-US" dirty="0" smtClean="0"/>
-              <a:t>the parameters</a:t>
-            </a:r>
-          </a:p>
-          <a:p>
-            <a:pPr marL="457200" indent="-457200">
-              <a:buFont typeface="+mj-lt"/>
-              <a:buAutoNum type="arabicPeriod"/>
-            </a:pPr>
-            <a:r>
-              <a:rPr lang="en-US" altLang="en-US" dirty="0" smtClean="0"/>
-              <a:t>Get </a:t>
-            </a:r>
-            <a:r>
-              <a:rPr lang="en-US" altLang="en-US" dirty="0" smtClean="0"/>
-              <a:t>more training data</a:t>
-            </a:r>
-          </a:p>
-        </p:txBody>
-      </p:sp>
-      <p:sp>
-        <p:nvSpPr>
-          <p:cNvPr id="4" name="TextBox 3"/>
-          <p:cNvSpPr txBox="1"/>
-          <p:nvPr/>
-        </p:nvSpPr>
-        <p:spPr>
-          <a:xfrm>
-            <a:off x="8999538" y="6581776"/>
-            <a:ext cx="1668462" cy="276225"/>
-          </a:xfrm>
-          <a:prstGeom prst="rect">
-            <a:avLst/>
-          </a:prstGeom>
-          <a:noFill/>
-        </p:spPr>
-        <p:txBody>
-          <a:bodyPr wrap="none">
-            <a:spAutoFit/>
-          </a:bodyPr>
-          <a:lstStyle/>
-          <a:p>
-            <a:pPr>
-              <a:defRPr/>
-            </a:pPr>
-            <a:r>
-              <a:rPr lang="en-US" sz="1200" dirty="0">
-                <a:solidFill>
-                  <a:prstClr val="white">
-                    <a:lumMod val="65000"/>
-                  </a:prstClr>
-                </a:solidFill>
-                <a:latin typeface="Arial" charset="0"/>
-              </a:rPr>
-              <a:t>Slide credit: D. </a:t>
-            </a:r>
-            <a:r>
-              <a:rPr lang="en-US" sz="1200" dirty="0" err="1">
-                <a:solidFill>
-                  <a:prstClr val="white">
-                    <a:lumMod val="65000"/>
-                  </a:prstClr>
-                </a:solidFill>
-                <a:latin typeface="Arial" charset="0"/>
-              </a:rPr>
-              <a:t>Hoiem</a:t>
-            </a:r>
-            <a:endParaRPr lang="en-US" sz="1200" dirty="0">
-              <a:solidFill>
-                <a:prstClr val="white">
-                  <a:lumMod val="65000"/>
-                </a:prstClr>
-              </a:solidFill>
-              <a:latin typeface="Arial" charset="0"/>
-            </a:endParaRPr>
-          </a:p>
-        </p:txBody>
-      </p:sp>
-    </p:spTree>
-    <p:extLst>
-      <p:ext uri="{BB962C8B-B14F-4D97-AF65-F5344CB8AC3E}">
-        <p14:creationId xmlns:p14="http://schemas.microsoft.com/office/powerpoint/2010/main" val="3782379722"/>
-      </p:ext>
-    </p:extLst>
-  </p:cSld>
-  <p:clrMapOvr>
-    <a:masterClrMapping/>
-  </p:clrMapOvr>
-  <p:timing>
-    <p:tnLst>
-      <p:par>
-        <p:cTn id="1" dur="indefinite" restart="never" nodeType="tmRoot"/>
-      </p:par>
-    </p:tnLst>
-  </p:timing>
-</p:sld>
-</file>
-
-<file path=ppt/slides/slide32.xml><?xml version="1.0" encoding="utf-8"?>
-<p:sld xmlns:a="http://schemas.openxmlformats.org/drawingml/2006/main" xmlns:r="http://schemas.openxmlformats.org/officeDocument/2006/relationships" xmlns:p="http://schemas.openxmlformats.org/presentationml/2006/main">
-  <p:cSld>
-    <p:spTree>
-      <p:nvGrpSpPr>
-        <p:cNvPr id="1" name=""/>
-        <p:cNvGrpSpPr/>
-        <p:nvPr/>
-      </p:nvGrpSpPr>
-      <p:grpSpPr>
-        <a:xfrm>
-          <a:off x="0" y="0"/>
-          <a:ext cx="0" cy="0"/>
-          <a:chOff x="0" y="0"/>
-          <a:chExt cx="0" cy="0"/>
-        </a:xfrm>
-      </p:grpSpPr>
-      <p:sp>
-        <p:nvSpPr>
-          <p:cNvPr id="73730" name="Title 1"/>
-          <p:cNvSpPr>
-            <a:spLocks noGrp="1"/>
-          </p:cNvSpPr>
-          <p:nvPr>
-            <p:ph type="title"/>
-          </p:nvPr>
-        </p:nvSpPr>
-        <p:spPr/>
-        <p:txBody>
-          <a:bodyPr/>
-          <a:lstStyle/>
-          <a:p>
-            <a:r>
-              <a:rPr lang="en-US" altLang="en-US" sz="3600"/>
-              <a:t>Generative vs. Discriminative Classifiers</a:t>
-            </a:r>
-          </a:p>
-        </p:txBody>
-      </p:sp>
-      <p:sp>
-        <p:nvSpPr>
-          <p:cNvPr id="4" name="Text Placeholder 3"/>
-          <p:cNvSpPr>
-            <a:spLocks noGrp="1"/>
-          </p:cNvSpPr>
-          <p:nvPr>
-            <p:ph type="body" idx="1"/>
-          </p:nvPr>
-        </p:nvSpPr>
-        <p:spPr/>
-        <p:txBody>
-          <a:bodyPr/>
-          <a:lstStyle/>
-          <a:p>
-            <a:r>
-              <a:rPr lang="en-US" altLang="en-US" sz="2400" b="1" dirty="0"/>
-              <a:t>Generative </a:t>
-            </a:r>
-            <a:r>
-              <a:rPr lang="en-US" altLang="en-US" sz="2400" b="1" dirty="0" smtClean="0"/>
-              <a:t>Models</a:t>
-            </a:r>
-            <a:endParaRPr lang="en-US" altLang="en-US" sz="2000" b="1" dirty="0"/>
-          </a:p>
-        </p:txBody>
-      </p:sp>
-      <p:sp>
-        <p:nvSpPr>
-          <p:cNvPr id="2" name="Content Placeholder 1"/>
-          <p:cNvSpPr>
-            <a:spLocks noGrp="1"/>
-          </p:cNvSpPr>
-          <p:nvPr>
-            <p:ph sz="half" idx="2"/>
-          </p:nvPr>
-        </p:nvSpPr>
-        <p:spPr/>
-        <p:txBody>
-          <a:bodyPr>
-            <a:normAutofit lnSpcReduction="10000"/>
-          </a:bodyPr>
-          <a:lstStyle/>
-          <a:p>
-            <a:r>
-              <a:rPr lang="en-US" altLang="en-US" sz="2400" dirty="0" smtClean="0"/>
-              <a:t>Represent </a:t>
-            </a:r>
-            <a:r>
-              <a:rPr lang="en-US" altLang="en-US" sz="2400" dirty="0"/>
-              <a:t>both the data and the labels</a:t>
-            </a:r>
-          </a:p>
-          <a:p>
-            <a:r>
-              <a:rPr lang="en-US" altLang="en-US" sz="2400" dirty="0"/>
-              <a:t>Often, makes use of conditional independence and priors</a:t>
-            </a:r>
-          </a:p>
-          <a:p>
-            <a:r>
-              <a:rPr lang="en-US" altLang="en-US" sz="2400" dirty="0"/>
-              <a:t>Examples</a:t>
-            </a:r>
-          </a:p>
-          <a:p>
-            <a:pPr lvl="1"/>
-            <a:r>
-              <a:rPr lang="en-US" altLang="en-US" sz="2000" dirty="0"/>
-              <a:t>Naïve Bayes classifier</a:t>
-            </a:r>
-          </a:p>
-          <a:p>
-            <a:pPr lvl="1"/>
-            <a:r>
-              <a:rPr lang="en-US" altLang="en-US" sz="2000" dirty="0"/>
-              <a:t>Bayesian network</a:t>
-            </a:r>
-          </a:p>
-          <a:p>
-            <a:r>
-              <a:rPr lang="en-US" altLang="en-US" sz="2400" dirty="0" smtClean="0"/>
-              <a:t>Models </a:t>
-            </a:r>
-            <a:r>
-              <a:rPr lang="en-US" altLang="en-US" sz="2400" dirty="0"/>
-              <a:t>of data may apply to future prediction problems</a:t>
-            </a:r>
-          </a:p>
-          <a:p>
-            <a:pPr lvl="1"/>
-            <a:endParaRPr lang="en-US" altLang="en-US" sz="2000" dirty="0"/>
-          </a:p>
-          <a:p>
-            <a:endParaRPr lang="he-IL" dirty="0"/>
-          </a:p>
-        </p:txBody>
-      </p:sp>
-      <p:sp>
-        <p:nvSpPr>
-          <p:cNvPr id="6" name="Text Placeholder 5"/>
-          <p:cNvSpPr>
-            <a:spLocks noGrp="1"/>
-          </p:cNvSpPr>
-          <p:nvPr>
-            <p:ph type="body" sz="quarter" idx="3"/>
-          </p:nvPr>
-        </p:nvSpPr>
-        <p:spPr/>
-        <p:txBody>
-          <a:bodyPr/>
-          <a:lstStyle/>
-          <a:p>
-            <a:r>
-              <a:rPr lang="en-US" sz="2400" b="1" dirty="0"/>
-              <a:t>Discriminative</a:t>
-            </a:r>
-            <a:r>
-              <a:rPr lang="en-US" sz="2400" dirty="0">
-                <a:solidFill>
-                  <a:prstClr val="black"/>
-                </a:solidFill>
-                <a:latin typeface="Calibri"/>
-              </a:rPr>
-              <a:t> </a:t>
-            </a:r>
-            <a:r>
-              <a:rPr lang="en-US" sz="2400" b="1" dirty="0"/>
-              <a:t>Models</a:t>
-            </a:r>
-            <a:endParaRPr lang="en-US" sz="2400" b="1" dirty="0"/>
-          </a:p>
-        </p:txBody>
-      </p:sp>
-      <p:sp>
-        <p:nvSpPr>
-          <p:cNvPr id="3" name="Content Placeholder 2"/>
-          <p:cNvSpPr>
-            <a:spLocks noGrp="1"/>
-          </p:cNvSpPr>
-          <p:nvPr>
-            <p:ph sz="quarter" idx="4"/>
-          </p:nvPr>
-        </p:nvSpPr>
-        <p:spPr>
-          <a:xfrm>
-            <a:off x="5990886" y="2967788"/>
-            <a:ext cx="5952069" cy="3341572"/>
-          </a:xfrm>
-        </p:spPr>
-        <p:txBody>
-          <a:bodyPr>
-            <a:noAutofit/>
-          </a:bodyPr>
-          <a:lstStyle/>
-          <a:p>
-            <a:pPr marL="342900" indent="-342900" eaLnBrk="0" hangingPunct="0">
-              <a:spcBef>
-                <a:spcPct val="20000"/>
-              </a:spcBef>
-              <a:buFont typeface="Arial" pitchFamily="34" charset="0"/>
-              <a:buChar char="•"/>
-              <a:defRPr/>
-            </a:pPr>
-            <a:r>
-              <a:rPr lang="en-US" sz="2400" dirty="0" smtClean="0">
-                <a:solidFill>
-                  <a:prstClr val="black"/>
-                </a:solidFill>
-              </a:rPr>
-              <a:t>Learn </a:t>
-            </a:r>
-            <a:r>
-              <a:rPr lang="en-US" sz="2400" dirty="0">
-                <a:solidFill>
-                  <a:prstClr val="black"/>
-                </a:solidFill>
-              </a:rPr>
-              <a:t>to directly predict the labels from the data</a:t>
-            </a:r>
-          </a:p>
-          <a:p>
-            <a:pPr marL="342900" indent="-342900" eaLnBrk="0" hangingPunct="0">
-              <a:spcBef>
-                <a:spcPct val="20000"/>
-              </a:spcBef>
-              <a:buFont typeface="Arial" pitchFamily="34" charset="0"/>
-              <a:buChar char="•"/>
-              <a:defRPr/>
-            </a:pPr>
-            <a:r>
-              <a:rPr lang="en-US" sz="2400" dirty="0">
-                <a:solidFill>
-                  <a:prstClr val="black"/>
-                </a:solidFill>
-              </a:rPr>
-              <a:t>Often, assume a simple boundary (e.g., linear)</a:t>
-            </a:r>
-          </a:p>
-          <a:p>
-            <a:pPr marL="342900" indent="-342900" eaLnBrk="0" hangingPunct="0">
-              <a:spcBef>
-                <a:spcPct val="20000"/>
-              </a:spcBef>
-              <a:buFont typeface="Arial" pitchFamily="34" charset="0"/>
-              <a:buChar char="•"/>
-              <a:defRPr/>
-            </a:pPr>
-            <a:r>
-              <a:rPr lang="en-US" sz="2400" dirty="0">
-                <a:solidFill>
-                  <a:prstClr val="black"/>
-                </a:solidFill>
-              </a:rPr>
-              <a:t>Examples</a:t>
-            </a:r>
-          </a:p>
-          <a:p>
-            <a:pPr marL="742950" lvl="1" indent="-285750" eaLnBrk="0" hangingPunct="0">
-              <a:spcBef>
-                <a:spcPct val="20000"/>
-              </a:spcBef>
-              <a:buFont typeface="Arial" pitchFamily="34" charset="0"/>
-              <a:buChar char="–"/>
-              <a:defRPr/>
-            </a:pPr>
-            <a:r>
-              <a:rPr lang="en-US" sz="2400" dirty="0">
-                <a:solidFill>
-                  <a:prstClr val="black"/>
-                </a:solidFill>
-              </a:rPr>
-              <a:t>Logistic regression</a:t>
-            </a:r>
-          </a:p>
-          <a:p>
-            <a:pPr marL="742950" lvl="1" indent="-285750" eaLnBrk="0" hangingPunct="0">
-              <a:spcBef>
-                <a:spcPct val="20000"/>
-              </a:spcBef>
-              <a:buFont typeface="Arial" pitchFamily="34" charset="0"/>
-              <a:buChar char="–"/>
-              <a:defRPr/>
-            </a:pPr>
-            <a:r>
-              <a:rPr lang="en-US" sz="2400" dirty="0">
-                <a:solidFill>
-                  <a:prstClr val="black"/>
-                </a:solidFill>
-              </a:rPr>
-              <a:t>SVM</a:t>
-            </a:r>
-          </a:p>
-          <a:p>
-            <a:pPr marL="742950" lvl="1" indent="-285750" eaLnBrk="0" hangingPunct="0">
-              <a:spcBef>
-                <a:spcPct val="20000"/>
-              </a:spcBef>
-              <a:buFont typeface="Arial" pitchFamily="34" charset="0"/>
-              <a:buChar char="–"/>
-              <a:defRPr/>
-            </a:pPr>
-            <a:r>
-              <a:rPr lang="en-US" sz="2400" dirty="0">
-                <a:solidFill>
-                  <a:prstClr val="black"/>
-                </a:solidFill>
-              </a:rPr>
-              <a:t>Boosted decision trees</a:t>
-            </a:r>
-          </a:p>
-          <a:p>
-            <a:pPr marL="285750" indent="-285750" eaLnBrk="0" hangingPunct="0">
-              <a:spcBef>
-                <a:spcPct val="20000"/>
-              </a:spcBef>
-              <a:buFont typeface="Arial" pitchFamily="34" charset="0"/>
-              <a:buChar char="•"/>
-              <a:defRPr/>
-            </a:pPr>
-            <a:r>
-              <a:rPr lang="en-US" sz="2400" dirty="0" smtClean="0">
-                <a:solidFill>
-                  <a:prstClr val="black"/>
-                </a:solidFill>
-              </a:rPr>
-              <a:t>Often </a:t>
-            </a:r>
-            <a:r>
-              <a:rPr lang="en-US" sz="2400" dirty="0">
-                <a:solidFill>
-                  <a:prstClr val="black"/>
-                </a:solidFill>
-              </a:rPr>
-              <a:t>easier to predict a label from the data than to model the data</a:t>
-            </a:r>
-          </a:p>
-          <a:p>
-            <a:pPr marL="285750" indent="-285750" eaLnBrk="0" hangingPunct="0">
-              <a:spcBef>
-                <a:spcPct val="20000"/>
-              </a:spcBef>
-              <a:buFont typeface="Arial" pitchFamily="34" charset="0"/>
-              <a:buChar char="–"/>
-              <a:defRPr/>
-            </a:pPr>
-            <a:endParaRPr lang="en-US" sz="2400" dirty="0">
-              <a:solidFill>
-                <a:prstClr val="black"/>
-              </a:solidFill>
-            </a:endParaRPr>
-          </a:p>
-          <a:p>
-            <a:endParaRPr lang="he-IL" sz="2400" dirty="0"/>
-          </a:p>
-        </p:txBody>
-      </p:sp>
-      <p:sp>
-        <p:nvSpPr>
-          <p:cNvPr id="5" name="TextBox 4"/>
-          <p:cNvSpPr txBox="1"/>
-          <p:nvPr/>
-        </p:nvSpPr>
-        <p:spPr>
-          <a:xfrm>
-            <a:off x="8839201" y="6581776"/>
-            <a:ext cx="1668463" cy="276225"/>
-          </a:xfrm>
-          <a:prstGeom prst="rect">
-            <a:avLst/>
-          </a:prstGeom>
-          <a:noFill/>
-        </p:spPr>
-        <p:txBody>
-          <a:bodyPr wrap="none">
-            <a:spAutoFit/>
-          </a:bodyPr>
-          <a:lstStyle/>
-          <a:p>
-            <a:pPr>
-              <a:defRPr/>
-            </a:pPr>
-            <a:r>
-              <a:rPr lang="en-US" sz="1200" dirty="0">
-                <a:solidFill>
-                  <a:prstClr val="white">
-                    <a:lumMod val="65000"/>
-                  </a:prstClr>
-                </a:solidFill>
-                <a:latin typeface="Arial" charset="0"/>
-              </a:rPr>
-              <a:t>Slide credit: D. </a:t>
-            </a:r>
-            <a:r>
-              <a:rPr lang="en-US" sz="1200" dirty="0" err="1">
-                <a:solidFill>
-                  <a:prstClr val="white">
-                    <a:lumMod val="65000"/>
-                  </a:prstClr>
-                </a:solidFill>
-                <a:latin typeface="Arial" charset="0"/>
-              </a:rPr>
-              <a:t>Hoiem</a:t>
-            </a:r>
-            <a:endParaRPr lang="en-US" sz="1200" dirty="0">
-              <a:solidFill>
-                <a:prstClr val="white">
-                  <a:lumMod val="65000"/>
-                </a:prstClr>
-              </a:solidFill>
-              <a:latin typeface="Arial" charset="0"/>
-            </a:endParaRPr>
-          </a:p>
-        </p:txBody>
-      </p:sp>
-    </p:spTree>
-    <p:extLst>
-      <p:ext uri="{BB962C8B-B14F-4D97-AF65-F5344CB8AC3E}">
-        <p14:creationId xmlns:p14="http://schemas.microsoft.com/office/powerpoint/2010/main" val="994952651"/>
-      </p:ext>
-    </p:extLst>
-  </p:cSld>
-  <p:clrMapOvr>
-    <a:masterClrMapping/>
-  </p:clrMapOvr>
-  <p:timing>
-    <p:tnLst>
-      <p:par>
-        <p:cTn id="1" dur="indefinite" restart="never" nodeType="tmRoot"/>
-      </p:par>
-    </p:tnLst>
-  </p:timing>
-</p:sld>
-</file>
-
-<file path=ppt/slides/slide33.xml><?xml version="1.0" encoding="utf-8"?>
 <p:sld xmlns:a="http://schemas.openxmlformats.org/drawingml/2006/main" xmlns:r="http://schemas.openxmlformats.org/officeDocument/2006/relationships" xmlns:p="http://schemas.openxmlformats.org/presentationml/2006/main">
   <p:cSld>
     <p:spTree>
@@ -10764,7 +10107,7 @@
 </p:sld>
 </file>
 
-<file path=ppt/slides/slide34.xml><?xml version="1.0" encoding="utf-8"?>
+<file path=ppt/slides/slide31.xml><?xml version="1.0" encoding="utf-8"?>
 <p:sld xmlns:a="http://schemas.openxmlformats.org/drawingml/2006/main" xmlns:r="http://schemas.openxmlformats.org/officeDocument/2006/relationships" xmlns:p="http://schemas.openxmlformats.org/presentationml/2006/main">
   <p:cSld>
     <p:spTree>
@@ -14076,7 +13419,7 @@
 </p:sld>
 </file>
 
-<file path=ppt/slides/slide35.xml><?xml version="1.0" encoding="utf-8"?>
+<file path=ppt/slides/slide32.xml><?xml version="1.0" encoding="utf-8"?>
 <p:sld xmlns:a="http://schemas.openxmlformats.org/drawingml/2006/main" xmlns:r="http://schemas.openxmlformats.org/officeDocument/2006/relationships" xmlns:p="http://schemas.openxmlformats.org/presentationml/2006/main">
   <p:cSld>
     <p:spTree>
@@ -14105,22 +13448,20 @@
         </p:nvSpPr>
         <p:spPr/>
         <p:txBody>
-          <a:bodyPr/>
+          <a:bodyPr>
+            <a:normAutofit/>
+          </a:bodyPr>
           <a:lstStyle/>
           <a:p>
             <a:r>
-              <a:rPr lang="en-US" sz="4000" dirty="0"/>
-              <a:t>Binary or categorical outcomes (</a:t>
-            </a:r>
-            <a:r>
-              <a:rPr lang="en-US" sz="4000"/>
-              <a:t>proportions</a:t>
-            </a:r>
-            <a:r>
-              <a:rPr lang="en-US" sz="4000" smtClean="0"/>
+              <a:rPr lang="en-US" sz="4400" dirty="0"/>
+              <a:t>Binary or categorical outcomes (proportions</a:t>
+            </a:r>
+            <a:r>
+              <a:rPr lang="en-US" sz="4400" dirty="0" smtClean="0"/>
               <a:t>)</a:t>
             </a:r>
-            <a:endParaRPr lang="en-US" sz="4000" dirty="0"/>
+            <a:endParaRPr lang="en-US" sz="4400" dirty="0"/>
           </a:p>
         </p:txBody>
       </p:sp>
@@ -17084,6 +16425,447 @@
   <p:clrMapOvr>
     <a:masterClrMapping/>
   </p:clrMapOvr>
+  <p:timing>
+    <p:tnLst>
+      <p:par>
+        <p:cTn id="1" dur="indefinite" restart="never" nodeType="tmRoot"/>
+      </p:par>
+    </p:tnLst>
+  </p:timing>
+</p:sld>
+</file>
+
+<file path=ppt/slides/slide33.xml><?xml version="1.0" encoding="utf-8"?>
+<p:sld xmlns:a="http://schemas.openxmlformats.org/drawingml/2006/main" xmlns:r="http://schemas.openxmlformats.org/officeDocument/2006/relationships" xmlns:p="http://schemas.openxmlformats.org/presentationml/2006/main" show="0">
+  <p:cSld>
+    <p:spTree>
+      <p:nvGrpSpPr>
+        <p:cNvPr id="1" name=""/>
+        <p:cNvGrpSpPr/>
+        <p:nvPr/>
+      </p:nvGrpSpPr>
+      <p:grpSpPr>
+        <a:xfrm>
+          <a:off x="0" y="0"/>
+          <a:ext cx="0" cy="0"/>
+          <a:chOff x="0" y="0"/>
+          <a:chExt cx="0" cy="0"/>
+        </a:xfrm>
+      </p:grpSpPr>
+      <p:sp>
+        <p:nvSpPr>
+          <p:cNvPr id="73730" name="Title 1"/>
+          <p:cNvSpPr>
+            <a:spLocks noGrp="1"/>
+          </p:cNvSpPr>
+          <p:nvPr>
+            <p:ph type="title"/>
+          </p:nvPr>
+        </p:nvSpPr>
+        <p:spPr/>
+        <p:txBody>
+          <a:bodyPr/>
+          <a:lstStyle/>
+          <a:p>
+            <a:r>
+              <a:rPr lang="en-US" altLang="en-US" sz="3600"/>
+              <a:t>Generative vs. Discriminative Classifiers</a:t>
+            </a:r>
+          </a:p>
+        </p:txBody>
+      </p:sp>
+      <p:sp>
+        <p:nvSpPr>
+          <p:cNvPr id="4" name="Text Placeholder 3"/>
+          <p:cNvSpPr>
+            <a:spLocks noGrp="1"/>
+          </p:cNvSpPr>
+          <p:nvPr>
+            <p:ph type="body" idx="1"/>
+          </p:nvPr>
+        </p:nvSpPr>
+        <p:spPr/>
+        <p:txBody>
+          <a:bodyPr/>
+          <a:lstStyle/>
+          <a:p>
+            <a:r>
+              <a:rPr lang="en-US" altLang="en-US" sz="2400" b="1" dirty="0"/>
+              <a:t>Generative </a:t>
+            </a:r>
+            <a:r>
+              <a:rPr lang="en-US" altLang="en-US" sz="2400" b="1" dirty="0" smtClean="0"/>
+              <a:t>Models</a:t>
+            </a:r>
+            <a:endParaRPr lang="en-US" altLang="en-US" sz="2000" b="1" dirty="0"/>
+          </a:p>
+        </p:txBody>
+      </p:sp>
+      <p:sp>
+        <p:nvSpPr>
+          <p:cNvPr id="2" name="Content Placeholder 1"/>
+          <p:cNvSpPr>
+            <a:spLocks noGrp="1"/>
+          </p:cNvSpPr>
+          <p:nvPr>
+            <p:ph sz="half" idx="2"/>
+          </p:nvPr>
+        </p:nvSpPr>
+        <p:spPr/>
+        <p:txBody>
+          <a:bodyPr>
+            <a:normAutofit lnSpcReduction="10000"/>
+          </a:bodyPr>
+          <a:lstStyle/>
+          <a:p>
+            <a:r>
+              <a:rPr lang="en-US" altLang="en-US" sz="2400" dirty="0" smtClean="0"/>
+              <a:t>Represent </a:t>
+            </a:r>
+            <a:r>
+              <a:rPr lang="en-US" altLang="en-US" sz="2400" dirty="0"/>
+              <a:t>both the data and the labels</a:t>
+            </a:r>
+          </a:p>
+          <a:p>
+            <a:r>
+              <a:rPr lang="en-US" altLang="en-US" sz="2400" dirty="0"/>
+              <a:t>Often, makes use of conditional independence and priors</a:t>
+            </a:r>
+          </a:p>
+          <a:p>
+            <a:r>
+              <a:rPr lang="en-US" altLang="en-US" sz="2400" dirty="0"/>
+              <a:t>Examples</a:t>
+            </a:r>
+          </a:p>
+          <a:p>
+            <a:pPr lvl="1"/>
+            <a:r>
+              <a:rPr lang="en-US" altLang="en-US" sz="2000" dirty="0"/>
+              <a:t>Naïve Bayes classifier</a:t>
+            </a:r>
+          </a:p>
+          <a:p>
+            <a:pPr lvl="1"/>
+            <a:r>
+              <a:rPr lang="en-US" altLang="en-US" sz="2000" dirty="0"/>
+              <a:t>Bayesian network</a:t>
+            </a:r>
+          </a:p>
+          <a:p>
+            <a:r>
+              <a:rPr lang="en-US" altLang="en-US" sz="2400" dirty="0" smtClean="0"/>
+              <a:t>Models </a:t>
+            </a:r>
+            <a:r>
+              <a:rPr lang="en-US" altLang="en-US" sz="2400" dirty="0"/>
+              <a:t>of data may apply to future prediction problems</a:t>
+            </a:r>
+          </a:p>
+          <a:p>
+            <a:pPr lvl="1"/>
+            <a:endParaRPr lang="en-US" altLang="en-US" sz="2000" dirty="0"/>
+          </a:p>
+          <a:p>
+            <a:endParaRPr lang="he-IL" dirty="0"/>
+          </a:p>
+        </p:txBody>
+      </p:sp>
+      <p:sp>
+        <p:nvSpPr>
+          <p:cNvPr id="6" name="Text Placeholder 5"/>
+          <p:cNvSpPr>
+            <a:spLocks noGrp="1"/>
+          </p:cNvSpPr>
+          <p:nvPr>
+            <p:ph type="body" sz="quarter" idx="3"/>
+          </p:nvPr>
+        </p:nvSpPr>
+        <p:spPr/>
+        <p:txBody>
+          <a:bodyPr/>
+          <a:lstStyle/>
+          <a:p>
+            <a:r>
+              <a:rPr lang="en-US" sz="2400" b="1" dirty="0"/>
+              <a:t>Discriminative</a:t>
+            </a:r>
+            <a:r>
+              <a:rPr lang="en-US" sz="2400" dirty="0">
+                <a:solidFill>
+                  <a:prstClr val="black"/>
+                </a:solidFill>
+                <a:latin typeface="Calibri"/>
+              </a:rPr>
+              <a:t> </a:t>
+            </a:r>
+            <a:r>
+              <a:rPr lang="en-US" sz="2400" b="1" dirty="0"/>
+              <a:t>Models</a:t>
+            </a:r>
+          </a:p>
+        </p:txBody>
+      </p:sp>
+      <p:sp>
+        <p:nvSpPr>
+          <p:cNvPr id="3" name="Content Placeholder 2"/>
+          <p:cNvSpPr>
+            <a:spLocks noGrp="1"/>
+          </p:cNvSpPr>
+          <p:nvPr>
+            <p:ph sz="quarter" idx="4"/>
+          </p:nvPr>
+        </p:nvSpPr>
+        <p:spPr>
+          <a:xfrm>
+            <a:off x="5990886" y="2967788"/>
+            <a:ext cx="5952069" cy="3341572"/>
+          </a:xfrm>
+        </p:spPr>
+        <p:txBody>
+          <a:bodyPr>
+            <a:noAutofit/>
+          </a:bodyPr>
+          <a:lstStyle/>
+          <a:p>
+            <a:pPr marL="342900" indent="-342900" eaLnBrk="0" hangingPunct="0">
+              <a:spcBef>
+                <a:spcPct val="20000"/>
+              </a:spcBef>
+              <a:buFont typeface="Arial" pitchFamily="34" charset="0"/>
+              <a:buChar char="•"/>
+              <a:defRPr/>
+            </a:pPr>
+            <a:r>
+              <a:rPr lang="en-US" sz="2400" dirty="0" smtClean="0">
+                <a:solidFill>
+                  <a:prstClr val="black"/>
+                </a:solidFill>
+              </a:rPr>
+              <a:t>Learn </a:t>
+            </a:r>
+            <a:r>
+              <a:rPr lang="en-US" sz="2400" dirty="0">
+                <a:solidFill>
+                  <a:prstClr val="black"/>
+                </a:solidFill>
+              </a:rPr>
+              <a:t>to directly predict the labels from the data</a:t>
+            </a:r>
+          </a:p>
+          <a:p>
+            <a:pPr marL="342900" indent="-342900" eaLnBrk="0" hangingPunct="0">
+              <a:spcBef>
+                <a:spcPct val="20000"/>
+              </a:spcBef>
+              <a:buFont typeface="Arial" pitchFamily="34" charset="0"/>
+              <a:buChar char="•"/>
+              <a:defRPr/>
+            </a:pPr>
+            <a:r>
+              <a:rPr lang="en-US" sz="2400" dirty="0">
+                <a:solidFill>
+                  <a:prstClr val="black"/>
+                </a:solidFill>
+              </a:rPr>
+              <a:t>Often, assume a simple boundary (e.g., linear)</a:t>
+            </a:r>
+          </a:p>
+          <a:p>
+            <a:pPr marL="342900" indent="-342900" eaLnBrk="0" hangingPunct="0">
+              <a:spcBef>
+                <a:spcPct val="20000"/>
+              </a:spcBef>
+              <a:buFont typeface="Arial" pitchFamily="34" charset="0"/>
+              <a:buChar char="•"/>
+              <a:defRPr/>
+            </a:pPr>
+            <a:r>
+              <a:rPr lang="en-US" sz="2400" dirty="0">
+                <a:solidFill>
+                  <a:prstClr val="black"/>
+                </a:solidFill>
+              </a:rPr>
+              <a:t>Examples</a:t>
+            </a:r>
+          </a:p>
+          <a:p>
+            <a:pPr marL="742950" lvl="1" indent="-285750" eaLnBrk="0" hangingPunct="0">
+              <a:spcBef>
+                <a:spcPct val="20000"/>
+              </a:spcBef>
+              <a:buFont typeface="Arial" pitchFamily="34" charset="0"/>
+              <a:buChar char="–"/>
+              <a:defRPr/>
+            </a:pPr>
+            <a:r>
+              <a:rPr lang="en-US" sz="2400" dirty="0">
+                <a:solidFill>
+                  <a:prstClr val="black"/>
+                </a:solidFill>
+              </a:rPr>
+              <a:t>Logistic regression</a:t>
+            </a:r>
+          </a:p>
+          <a:p>
+            <a:pPr marL="742950" lvl="1" indent="-285750" eaLnBrk="0" hangingPunct="0">
+              <a:spcBef>
+                <a:spcPct val="20000"/>
+              </a:spcBef>
+              <a:buFont typeface="Arial" pitchFamily="34" charset="0"/>
+              <a:buChar char="–"/>
+              <a:defRPr/>
+            </a:pPr>
+            <a:r>
+              <a:rPr lang="en-US" sz="2400" dirty="0">
+                <a:solidFill>
+                  <a:prstClr val="black"/>
+                </a:solidFill>
+              </a:rPr>
+              <a:t>SVM</a:t>
+            </a:r>
+          </a:p>
+          <a:p>
+            <a:pPr marL="742950" lvl="1" indent="-285750" eaLnBrk="0" hangingPunct="0">
+              <a:spcBef>
+                <a:spcPct val="20000"/>
+              </a:spcBef>
+              <a:buFont typeface="Arial" pitchFamily="34" charset="0"/>
+              <a:buChar char="–"/>
+              <a:defRPr/>
+            </a:pPr>
+            <a:r>
+              <a:rPr lang="en-US" sz="2400" dirty="0">
+                <a:solidFill>
+                  <a:prstClr val="black"/>
+                </a:solidFill>
+              </a:rPr>
+              <a:t>Boosted decision trees</a:t>
+            </a:r>
+          </a:p>
+          <a:p>
+            <a:pPr marL="285750" indent="-285750" eaLnBrk="0" hangingPunct="0">
+              <a:spcBef>
+                <a:spcPct val="20000"/>
+              </a:spcBef>
+              <a:buFont typeface="Arial" pitchFamily="34" charset="0"/>
+              <a:buChar char="•"/>
+              <a:defRPr/>
+            </a:pPr>
+            <a:r>
+              <a:rPr lang="en-US" sz="2400" dirty="0" smtClean="0">
+                <a:solidFill>
+                  <a:prstClr val="black"/>
+                </a:solidFill>
+              </a:rPr>
+              <a:t>Often </a:t>
+            </a:r>
+            <a:r>
+              <a:rPr lang="en-US" sz="2400" dirty="0">
+                <a:solidFill>
+                  <a:prstClr val="black"/>
+                </a:solidFill>
+              </a:rPr>
+              <a:t>easier to predict a label from the data than to model the data</a:t>
+            </a:r>
+          </a:p>
+          <a:p>
+            <a:pPr marL="285750" indent="-285750" eaLnBrk="0" hangingPunct="0">
+              <a:spcBef>
+                <a:spcPct val="20000"/>
+              </a:spcBef>
+              <a:buFont typeface="Arial" pitchFamily="34" charset="0"/>
+              <a:buChar char="–"/>
+              <a:defRPr/>
+            </a:pPr>
+            <a:endParaRPr lang="en-US" sz="2400" dirty="0">
+              <a:solidFill>
+                <a:prstClr val="black"/>
+              </a:solidFill>
+            </a:endParaRPr>
+          </a:p>
+          <a:p>
+            <a:endParaRPr lang="he-IL" sz="2400" dirty="0"/>
+          </a:p>
+        </p:txBody>
+      </p:sp>
+      <p:sp>
+        <p:nvSpPr>
+          <p:cNvPr id="5" name="TextBox 4"/>
+          <p:cNvSpPr txBox="1"/>
+          <p:nvPr/>
+        </p:nvSpPr>
+        <p:spPr>
+          <a:xfrm>
+            <a:off x="8839201" y="6581776"/>
+            <a:ext cx="1668463" cy="276225"/>
+          </a:xfrm>
+          <a:prstGeom prst="rect">
+            <a:avLst/>
+          </a:prstGeom>
+          <a:noFill/>
+        </p:spPr>
+        <p:txBody>
+          <a:bodyPr wrap="none">
+            <a:spAutoFit/>
+          </a:bodyPr>
+          <a:lstStyle/>
+          <a:p>
+            <a:pPr>
+              <a:defRPr/>
+            </a:pPr>
+            <a:r>
+              <a:rPr lang="en-US" sz="1200" dirty="0">
+                <a:solidFill>
+                  <a:prstClr val="white">
+                    <a:lumMod val="65000"/>
+                  </a:prstClr>
+                </a:solidFill>
+                <a:latin typeface="Arial" charset="0"/>
+              </a:rPr>
+              <a:t>Slide credit: D. </a:t>
+            </a:r>
+            <a:r>
+              <a:rPr lang="en-US" sz="1200" dirty="0" err="1">
+                <a:solidFill>
+                  <a:prstClr val="white">
+                    <a:lumMod val="65000"/>
+                  </a:prstClr>
+                </a:solidFill>
+                <a:latin typeface="Arial" charset="0"/>
+              </a:rPr>
+              <a:t>Hoiem</a:t>
+            </a:r>
+            <a:endParaRPr lang="en-US" sz="1200" dirty="0">
+              <a:solidFill>
+                <a:prstClr val="white">
+                  <a:lumMod val="65000"/>
+                </a:prstClr>
+              </a:solidFill>
+              <a:latin typeface="Arial" charset="0"/>
+            </a:endParaRPr>
+          </a:p>
+        </p:txBody>
+      </p:sp>
+    </p:spTree>
+    <p:extLst>
+      <p:ext uri="{BB962C8B-B14F-4D97-AF65-F5344CB8AC3E}">
+        <p14:creationId xmlns:p14="http://schemas.microsoft.com/office/powerpoint/2010/main" val="994952651"/>
+      </p:ext>
+    </p:extLst>
+  </p:cSld>
+  <p:clrMapOvr>
+    <a:masterClrMapping/>
+  </p:clrMapOvr>
+  <mc:AlternateContent xmlns:mc="http://schemas.openxmlformats.org/markup-compatibility/2006">
+    <mc:Choice xmlns:p14="http://schemas.microsoft.com/office/powerpoint/2010/main" Requires="p14">
+      <p:transition spd="slow" p14:dur="2000"/>
+    </mc:Choice>
+    <mc:Fallback>
+      <p:transition spd="slow"/>
+    </mc:Fallback>
+  </mc:AlternateContent>
   <p:timing>
     <p:tnLst>
       <p:par>
